--- a/Agile Business Analysis/05-Estimation _ Release Planning.pptx
+++ b/Agile Business Analysis/05-Estimation _ Release Planning.pptx
@@ -236,6 +236,34 @@
           </p14:sldIdLst>
         </p14:section>
       </p14:sectionLst>
+    </p:ext>
+    <p:ext uri="{EFAFB233-063F-42B5-8137-9DF3F51BA10A}">
+      <p15:sldGuideLst xmlns:p15="http://schemas.microsoft.com/office/powerpoint/2012/main">
+        <p15:guide id="1" orient="horz" pos="2160">
+          <p15:clr>
+            <a:srgbClr val="A4A3A4"/>
+          </p15:clr>
+        </p15:guide>
+        <p15:guide id="2" pos="2880">
+          <p15:clr>
+            <a:srgbClr val="A4A3A4"/>
+          </p15:clr>
+        </p15:guide>
+      </p15:sldGuideLst>
+    </p:ext>
+    <p:ext uri="{2D200454-40CA-4A62-9FC3-DE9A4176ACB9}">
+      <p15:notesGuideLst xmlns:p15="http://schemas.microsoft.com/office/powerpoint/2012/main">
+        <p15:guide id="1" orient="horz" pos="2921">
+          <p15:clr>
+            <a:srgbClr val="A4A3A4"/>
+          </p15:clr>
+        </p15:guide>
+        <p15:guide id="2" pos="2200">
+          <p15:clr>
+            <a:srgbClr val="A4A3A4"/>
+          </p15:clr>
+        </p15:guide>
+      </p15:notesGuideLst>
     </p:ext>
   </p:extLst>
 </p:presentation>
@@ -3116,7 +3144,7 @@
             <a:fld id="{3645A85B-5EE2-224D-892B-EBDEE738041D}" type="datetime1">
               <a:rPr lang="en-US"/>
               <a:pPr/>
-              <a:t>9/23/15</a:t>
+              <a:t>10/5/15</a:t>
             </a:fld>
             <a:endParaRPr lang="en-US"/>
           </a:p>
@@ -3359,7 +3387,7 @@
             <a:fld id="{357A0049-9727-1C49-9F90-B954D42273FA}" type="datetime1">
               <a:rPr lang="en-US"/>
               <a:pPr/>
-              <a:t>9/23/15</a:t>
+              <a:t>10/5/15</a:t>
             </a:fld>
             <a:endParaRPr lang="en-US"/>
           </a:p>
@@ -3868,6 +3896,11 @@
         </p:txBody>
       </p:sp>
     </p:spTree>
+    <p:extLst>
+      <p:ext uri="{BB962C8B-B14F-4D97-AF65-F5344CB8AC3E}">
+        <p14:creationId xmlns:p14="http://schemas.microsoft.com/office/powerpoint/2010/main" val="1011304526"/>
+      </p:ext>
+    </p:extLst>
   </p:cSld>
   <p:clrMapOvr>
     <a:masterClrMapping/>
@@ -3954,6 +3987,11 @@
         </p:txBody>
       </p:sp>
     </p:spTree>
+    <p:extLst>
+      <p:ext uri="{BB962C8B-B14F-4D97-AF65-F5344CB8AC3E}">
+        <p14:creationId xmlns:p14="http://schemas.microsoft.com/office/powerpoint/2010/main" val="182549002"/>
+      </p:ext>
+    </p:extLst>
   </p:cSld>
   <p:clrMapOvr>
     <a:masterClrMapping/>
@@ -4092,6 +4130,11 @@
         </p:txBody>
       </p:sp>
     </p:spTree>
+    <p:extLst>
+      <p:ext uri="{BB962C8B-B14F-4D97-AF65-F5344CB8AC3E}">
+        <p14:creationId xmlns:p14="http://schemas.microsoft.com/office/powerpoint/2010/main" val="1494428698"/>
+      </p:ext>
+    </p:extLst>
   </p:cSld>
   <p:clrMapOvr>
     <a:masterClrMapping/>
@@ -4232,6 +4275,11 @@
         </p:txBody>
       </p:sp>
     </p:spTree>
+    <p:extLst>
+      <p:ext uri="{BB962C8B-B14F-4D97-AF65-F5344CB8AC3E}">
+        <p14:creationId xmlns:p14="http://schemas.microsoft.com/office/powerpoint/2010/main" val="2041875621"/>
+      </p:ext>
+    </p:extLst>
   </p:cSld>
   <p:clrMapOvr>
     <a:masterClrMapping/>
@@ -4393,6 +4441,11 @@
         </p:txBody>
       </p:sp>
     </p:spTree>
+    <p:extLst>
+      <p:ext uri="{BB962C8B-B14F-4D97-AF65-F5344CB8AC3E}">
+        <p14:creationId xmlns:p14="http://schemas.microsoft.com/office/powerpoint/2010/main" val="1014883087"/>
+      </p:ext>
+    </p:extLst>
   </p:cSld>
   <p:clrMapOvr>
     <a:masterClrMapping/>
@@ -4543,6 +4596,11 @@
         </p:txBody>
       </p:sp>
     </p:spTree>
+    <p:extLst>
+      <p:ext uri="{BB962C8B-B14F-4D97-AF65-F5344CB8AC3E}">
+        <p14:creationId xmlns:p14="http://schemas.microsoft.com/office/powerpoint/2010/main" val="1824918735"/>
+      </p:ext>
+    </p:extLst>
   </p:cSld>
   <p:clrMapOvr>
     <a:masterClrMapping/>
@@ -4655,6 +4713,11 @@
         </p:txBody>
       </p:sp>
     </p:spTree>
+    <p:extLst>
+      <p:ext uri="{BB962C8B-B14F-4D97-AF65-F5344CB8AC3E}">
+        <p14:creationId xmlns:p14="http://schemas.microsoft.com/office/powerpoint/2010/main" val="1047732691"/>
+      </p:ext>
+    </p:extLst>
   </p:cSld>
   <p:clrMapOvr>
     <a:masterClrMapping/>
@@ -4742,6 +4805,11 @@
         </p:txBody>
       </p:sp>
     </p:spTree>
+    <p:extLst>
+      <p:ext uri="{BB962C8B-B14F-4D97-AF65-F5344CB8AC3E}">
+        <p14:creationId xmlns:p14="http://schemas.microsoft.com/office/powerpoint/2010/main" val="2024915884"/>
+      </p:ext>
+    </p:extLst>
   </p:cSld>
   <p:clrMapOvr>
     <a:masterClrMapping/>
@@ -4988,6 +5056,11 @@
         </p:txBody>
       </p:sp>
     </p:spTree>
+    <p:extLst>
+      <p:ext uri="{BB962C8B-B14F-4D97-AF65-F5344CB8AC3E}">
+        <p14:creationId xmlns:p14="http://schemas.microsoft.com/office/powerpoint/2010/main" val="1587908379"/>
+      </p:ext>
+    </p:extLst>
   </p:cSld>
   <p:clrMapOvr>
     <a:masterClrMapping/>
@@ -5074,6 +5147,11 @@
         </p:txBody>
       </p:sp>
     </p:spTree>
+    <p:extLst>
+      <p:ext uri="{BB962C8B-B14F-4D97-AF65-F5344CB8AC3E}">
+        <p14:creationId xmlns:p14="http://schemas.microsoft.com/office/powerpoint/2010/main" val="1196844584"/>
+      </p:ext>
+    </p:extLst>
   </p:cSld>
   <p:clrMapOvr>
     <a:masterClrMapping/>
@@ -5257,6 +5335,11 @@
         </p:txBody>
       </p:sp>
     </p:spTree>
+    <p:extLst>
+      <p:ext uri="{BB962C8B-B14F-4D97-AF65-F5344CB8AC3E}">
+        <p14:creationId xmlns:p14="http://schemas.microsoft.com/office/powerpoint/2010/main" val="2035085486"/>
+      </p:ext>
+    </p:extLst>
   </p:cSld>
   <p:clrMapOvr>
     <a:masterClrMapping/>
@@ -5546,6 +5629,11 @@
         </p:txBody>
       </p:sp>
     </p:spTree>
+    <p:extLst>
+      <p:ext uri="{BB962C8B-B14F-4D97-AF65-F5344CB8AC3E}">
+        <p14:creationId xmlns:p14="http://schemas.microsoft.com/office/powerpoint/2010/main" val="1809586124"/>
+      </p:ext>
+    </p:extLst>
   </p:cSld>
   <p:clrMapOvr>
     <a:masterClrMapping/>
@@ -5638,6 +5726,11 @@
         </p:txBody>
       </p:sp>
     </p:spTree>
+    <p:extLst>
+      <p:ext uri="{BB962C8B-B14F-4D97-AF65-F5344CB8AC3E}">
+        <p14:creationId xmlns:p14="http://schemas.microsoft.com/office/powerpoint/2010/main" val="709717433"/>
+      </p:ext>
+    </p:extLst>
   </p:cSld>
   <p:clrMapOvr>
     <a:masterClrMapping/>
@@ -5863,6 +5956,11 @@
         </p:txBody>
       </p:sp>
     </p:spTree>
+    <p:extLst>
+      <p:ext uri="{BB962C8B-B14F-4D97-AF65-F5344CB8AC3E}">
+        <p14:creationId xmlns:p14="http://schemas.microsoft.com/office/powerpoint/2010/main" val="1096720993"/>
+      </p:ext>
+    </p:extLst>
   </p:cSld>
   <p:clrMapOvr>
     <a:masterClrMapping/>
@@ -6118,6 +6216,11 @@
         </p:txBody>
       </p:sp>
     </p:spTree>
+    <p:extLst>
+      <p:ext uri="{BB962C8B-B14F-4D97-AF65-F5344CB8AC3E}">
+        <p14:creationId xmlns:p14="http://schemas.microsoft.com/office/powerpoint/2010/main" val="737587150"/>
+      </p:ext>
+    </p:extLst>
   </p:cSld>
   <p:clrMapOvr>
     <a:masterClrMapping/>
@@ -6457,6 +6560,11 @@
         </p:txBody>
       </p:sp>
     </p:spTree>
+    <p:extLst>
+      <p:ext uri="{BB962C8B-B14F-4D97-AF65-F5344CB8AC3E}">
+        <p14:creationId xmlns:p14="http://schemas.microsoft.com/office/powerpoint/2010/main" val="1351619566"/>
+      </p:ext>
+    </p:extLst>
   </p:cSld>
   <p:clrMapOvr>
     <a:masterClrMapping/>
@@ -6554,6 +6662,11 @@
         </p:txBody>
       </p:sp>
     </p:spTree>
+    <p:extLst>
+      <p:ext uri="{BB962C8B-B14F-4D97-AF65-F5344CB8AC3E}">
+        <p14:creationId xmlns:p14="http://schemas.microsoft.com/office/powerpoint/2010/main" val="588027796"/>
+      </p:ext>
+    </p:extLst>
   </p:cSld>
   <p:clrMapOvr>
     <a:masterClrMapping/>
@@ -6678,6 +6791,11 @@
         </p:txBody>
       </p:sp>
     </p:spTree>
+    <p:extLst>
+      <p:ext uri="{BB962C8B-B14F-4D97-AF65-F5344CB8AC3E}">
+        <p14:creationId xmlns:p14="http://schemas.microsoft.com/office/powerpoint/2010/main" val="263423878"/>
+      </p:ext>
+    </p:extLst>
   </p:cSld>
   <p:clrMapOvr>
     <a:masterClrMapping/>
@@ -6777,6 +6895,11 @@
         </p:txBody>
       </p:sp>
     </p:spTree>
+    <p:extLst>
+      <p:ext uri="{BB962C8B-B14F-4D97-AF65-F5344CB8AC3E}">
+        <p14:creationId xmlns:p14="http://schemas.microsoft.com/office/powerpoint/2010/main" val="1401321079"/>
+      </p:ext>
+    </p:extLst>
   </p:cSld>
   <p:clrMapOvr>
     <a:masterClrMapping/>
@@ -6924,6 +7047,11 @@
         </p:txBody>
       </p:sp>
     </p:spTree>
+    <p:extLst>
+      <p:ext uri="{BB962C8B-B14F-4D97-AF65-F5344CB8AC3E}">
+        <p14:creationId xmlns:p14="http://schemas.microsoft.com/office/powerpoint/2010/main" val="550218104"/>
+      </p:ext>
+    </p:extLst>
   </p:cSld>
   <p:clrMapOvr>
     <a:masterClrMapping/>
@@ -7108,6 +7236,11 @@
         </p:txBody>
       </p:sp>
     </p:spTree>
+    <p:extLst>
+      <p:ext uri="{BB962C8B-B14F-4D97-AF65-F5344CB8AC3E}">
+        <p14:creationId xmlns:p14="http://schemas.microsoft.com/office/powerpoint/2010/main" val="451089946"/>
+      </p:ext>
+    </p:extLst>
   </p:cSld>
   <p:clrMapOvr>
     <a:masterClrMapping/>
@@ -7489,6 +7622,11 @@
         </p:txBody>
       </p:sp>
     </p:spTree>
+    <p:extLst>
+      <p:ext uri="{BB962C8B-B14F-4D97-AF65-F5344CB8AC3E}">
+        <p14:creationId xmlns:p14="http://schemas.microsoft.com/office/powerpoint/2010/main" val="1050577254"/>
+      </p:ext>
+    </p:extLst>
   </p:cSld>
   <p:clrMapOvr>
     <a:masterClrMapping/>
@@ -7620,6 +7758,11 @@
         </p:txBody>
       </p:sp>
     </p:spTree>
+    <p:extLst>
+      <p:ext uri="{BB962C8B-B14F-4D97-AF65-F5344CB8AC3E}">
+        <p14:creationId xmlns:p14="http://schemas.microsoft.com/office/powerpoint/2010/main" val="441362344"/>
+      </p:ext>
+    </p:extLst>
   </p:cSld>
   <p:clrMapOvr>
     <a:masterClrMapping/>
@@ -7710,6 +7853,11 @@
         </p:txBody>
       </p:sp>
     </p:spTree>
+    <p:extLst>
+      <p:ext uri="{BB962C8B-B14F-4D97-AF65-F5344CB8AC3E}">
+        <p14:creationId xmlns:p14="http://schemas.microsoft.com/office/powerpoint/2010/main" val="1072546234"/>
+      </p:ext>
+    </p:extLst>
   </p:cSld>
   <p:clrMapOvr>
     <a:masterClrMapping/>
@@ -7919,6 +8067,11 @@
         </p:txBody>
       </p:sp>
     </p:spTree>
+    <p:extLst>
+      <p:ext uri="{BB962C8B-B14F-4D97-AF65-F5344CB8AC3E}">
+        <p14:creationId xmlns:p14="http://schemas.microsoft.com/office/powerpoint/2010/main" val="306821920"/>
+      </p:ext>
+    </p:extLst>
   </p:cSld>
   <p:clrMapOvr>
     <a:masterClrMapping/>
@@ -8072,6 +8225,11 @@
         </p:txBody>
       </p:sp>
     </p:spTree>
+    <p:extLst>
+      <p:ext uri="{BB962C8B-B14F-4D97-AF65-F5344CB8AC3E}">
+        <p14:creationId xmlns:p14="http://schemas.microsoft.com/office/powerpoint/2010/main" val="647772993"/>
+      </p:ext>
+    </p:extLst>
   </p:cSld>
   <p:clrMapOvr>
     <a:masterClrMapping/>
@@ -8225,6 +8383,11 @@
         </p:txBody>
       </p:sp>
     </p:spTree>
+    <p:extLst>
+      <p:ext uri="{BB962C8B-B14F-4D97-AF65-F5344CB8AC3E}">
+        <p14:creationId xmlns:p14="http://schemas.microsoft.com/office/powerpoint/2010/main" val="1526086708"/>
+      </p:ext>
+    </p:extLst>
   </p:cSld>
   <p:clrMapOvr>
     <a:masterClrMapping/>
@@ -8311,6 +8474,11 @@
         </p:txBody>
       </p:sp>
     </p:spTree>
+    <p:extLst>
+      <p:ext uri="{BB962C8B-B14F-4D97-AF65-F5344CB8AC3E}">
+        <p14:creationId xmlns:p14="http://schemas.microsoft.com/office/powerpoint/2010/main" val="1542105235"/>
+      </p:ext>
+    </p:extLst>
   </p:cSld>
   <p:clrMapOvr>
     <a:masterClrMapping/>
@@ -8780,11 +8948,11 @@
   <p:clrMapOvr>
     <a:masterClrMapping/>
   </p:clrMapOvr>
-  <p:transition xmlns:p14="http://schemas.microsoft.com/office/powerpoint/2010/main"/>
+  <p:transition/>
   <p:timing>
     <p:tnLst>
       <p:par>
-        <p:cTn xmlns:p14="http://schemas.microsoft.com/office/powerpoint/2010/main" id="1" dur="indefinite" restart="never" nodeType="tmRoot"/>
+        <p:cTn id="1" dur="indefinite" restart="never" nodeType="tmRoot"/>
       </p:par>
     </p:tnLst>
   </p:timing>
@@ -8929,7 +9097,7 @@
   <p:timing>
     <p:tnLst>
       <p:par>
-        <p:cTn xmlns:p14="http://schemas.microsoft.com/office/powerpoint/2010/main" id="1" dur="indefinite" restart="never" nodeType="tmRoot"/>
+        <p:cTn id="1" dur="indefinite" restart="never" nodeType="tmRoot"/>
       </p:par>
     </p:tnLst>
   </p:timing>
@@ -9121,13 +9289,13 @@
   <p:clrMapOvr>
     <a:masterClrMapping/>
   </p:clrMapOvr>
-  <p:transition xmlns:p14="http://schemas.microsoft.com/office/powerpoint/2010/main" spd="med">
+  <p:transition spd="med">
     <p:fade/>
   </p:transition>
   <p:timing>
     <p:tnLst>
       <p:par>
-        <p:cTn xmlns:p14="http://schemas.microsoft.com/office/powerpoint/2010/main" id="1" dur="indefinite" restart="never" nodeType="tmRoot"/>
+        <p:cTn id="1" dur="indefinite" restart="never" nodeType="tmRoot"/>
       </p:par>
     </p:tnLst>
   </p:timing>
@@ -9536,13 +9704,13 @@
   <p:clrMapOvr>
     <a:masterClrMapping/>
   </p:clrMapOvr>
-  <p:transition xmlns:p14="http://schemas.microsoft.com/office/powerpoint/2010/main" spd="med">
+  <p:transition spd="med">
     <p:fade/>
   </p:transition>
   <p:timing>
     <p:tnLst>
       <p:par>
-        <p:cTn xmlns:p14="http://schemas.microsoft.com/office/powerpoint/2010/main" id="1" dur="indefinite" restart="never" nodeType="tmRoot"/>
+        <p:cTn id="1" dur="indefinite" restart="never" nodeType="tmRoot"/>
       </p:par>
     </p:tnLst>
   </p:timing>
@@ -9903,13 +10071,13 @@
   <p:clrMapOvr>
     <a:masterClrMapping/>
   </p:clrMapOvr>
-  <p:transition xmlns:p14="http://schemas.microsoft.com/office/powerpoint/2010/main" spd="med">
+  <p:transition spd="med">
     <p:fade/>
   </p:transition>
   <p:timing>
     <p:tnLst>
       <p:par>
-        <p:cTn xmlns:p14="http://schemas.microsoft.com/office/powerpoint/2010/main" id="1" dur="indefinite" restart="never" nodeType="tmRoot"/>
+        <p:cTn id="1" dur="indefinite" restart="never" nodeType="tmRoot"/>
       </p:par>
     </p:tnLst>
   </p:timing>
@@ -9966,13 +10134,13 @@
   <p:clrMapOvr>
     <a:masterClrMapping/>
   </p:clrMapOvr>
-  <p:transition xmlns:p14="http://schemas.microsoft.com/office/powerpoint/2010/main" spd="med">
+  <p:transition spd="med">
     <p:fade/>
   </p:transition>
   <p:timing>
     <p:tnLst>
       <p:par>
-        <p:cTn xmlns:p14="http://schemas.microsoft.com/office/powerpoint/2010/main" id="1" dur="indefinite" restart="never" nodeType="tmRoot"/>
+        <p:cTn id="1" dur="indefinite" restart="never" nodeType="tmRoot"/>
       </p:par>
     </p:tnLst>
   </p:timing>
@@ -10006,13 +10174,13 @@
   <p:clrMapOvr>
     <a:masterClrMapping/>
   </p:clrMapOvr>
-  <p:transition xmlns:p14="http://schemas.microsoft.com/office/powerpoint/2010/main" spd="med">
+  <p:transition spd="med">
     <p:fade/>
   </p:transition>
   <p:timing>
     <p:tnLst>
       <p:par>
-        <p:cTn xmlns:p14="http://schemas.microsoft.com/office/powerpoint/2010/main" id="1" dur="indefinite" restart="never" nodeType="tmRoot"/>
+        <p:cTn id="1" dur="indefinite" restart="never" nodeType="tmRoot"/>
       </p:par>
     </p:tnLst>
   </p:timing>
@@ -10625,13 +10793,13 @@
     <p:sldLayoutId id="2147483716" r:id="rId12"/>
     <p:sldLayoutId id="2147483717" r:id="rId13"/>
   </p:sldLayoutIdLst>
-  <p:transition xmlns:p14="http://schemas.microsoft.com/office/powerpoint/2010/main" spd="med">
+  <p:transition spd="med">
     <p:fade/>
   </p:transition>
   <p:timing>
     <p:tnLst>
       <p:par>
-        <p:cTn xmlns:p14="http://schemas.microsoft.com/office/powerpoint/2010/main" id="1" dur="indefinite" restart="never" nodeType="tmRoot"/>
+        <p:cTn id="1" dur="indefinite" restart="never" nodeType="tmRoot"/>
       </p:par>
     </p:tnLst>
   </p:timing>
@@ -10986,14 +11154,14 @@
           </a:ln>
           <a:extLst>
             <a:ext uri="{909E8E84-426E-40dd-AFC4-6F175D3DCCD1}">
-              <a14:hiddenFill xmlns:a14="http://schemas.microsoft.com/office/drawing/2010/main">
+              <a14:hiddenFill xmlns:a14="http://schemas.microsoft.com/office/drawing/2010/main" xmlns="">
                 <a:solidFill>
                   <a:srgbClr val="FFFFFF"/>
                 </a:solidFill>
               </a14:hiddenFill>
             </a:ext>
             <a:ext uri="{91240B29-F687-4f45-9708-019B960494DF}">
-              <a14:hiddenLine xmlns:a14="http://schemas.microsoft.com/office/drawing/2010/main" w="9525">
+              <a14:hiddenLine xmlns:a14="http://schemas.microsoft.com/office/drawing/2010/main" xmlns="" w="9525">
                 <a:solidFill>
                   <a:srgbClr val="000000"/>
                 </a:solidFill>
@@ -11115,13 +11283,13 @@
   <p:clrMapOvr>
     <a:masterClrMapping/>
   </p:clrMapOvr>
-  <p:transition xmlns:p14="http://schemas.microsoft.com/office/powerpoint/2010/main" spd="med">
+  <p:transition spd="med">
     <p:fade/>
   </p:transition>
   <p:timing>
     <p:tnLst>
       <p:par>
-        <p:cTn xmlns:p14="http://schemas.microsoft.com/office/powerpoint/2010/main" id="1" dur="indefinite" restart="never" nodeType="tmRoot"/>
+        <p:cTn id="1" dur="indefinite" restart="never" nodeType="tmRoot"/>
       </p:par>
     </p:tnLst>
   </p:timing>
@@ -11258,13 +11426,13 @@
   <p:clrMapOvr>
     <a:masterClrMapping/>
   </p:clrMapOvr>
-  <p:transition xmlns:p14="http://schemas.microsoft.com/office/powerpoint/2010/main" spd="med">
+  <p:transition spd="med">
     <p:fade/>
   </p:transition>
   <p:timing>
     <p:tnLst>
       <p:par>
-        <p:cTn xmlns:p14="http://schemas.microsoft.com/office/powerpoint/2010/main" id="1" dur="indefinite" restart="never" nodeType="tmRoot">
+        <p:cTn id="1" dur="indefinite" restart="never" nodeType="tmRoot">
           <p:childTnLst>
             <p:seq concurrent="1" nextAc="seek">
               <p:cTn id="2" dur="indefinite" nodeType="mainSeq">
@@ -11528,11 +11696,11 @@
   <p:clrMapOvr>
     <a:masterClrMapping/>
   </p:clrMapOvr>
-  <p:transition xmlns:p14="http://schemas.microsoft.com/office/powerpoint/2010/main"/>
+  <p:transition/>
   <p:timing>
     <p:tnLst>
       <p:par>
-        <p:cTn xmlns:p14="http://schemas.microsoft.com/office/powerpoint/2010/main" id="1" dur="indefinite" restart="never" nodeType="tmRoot"/>
+        <p:cTn id="1" dur="indefinite" restart="never" nodeType="tmRoot"/>
       </p:par>
     </p:tnLst>
   </p:timing>
@@ -11905,13 +12073,13 @@
   <p:clrMapOvr>
     <a:masterClrMapping/>
   </p:clrMapOvr>
-  <p:transition xmlns:p14="http://schemas.microsoft.com/office/powerpoint/2010/main" spd="med">
+  <p:transition spd="med">
     <p:fade/>
   </p:transition>
   <p:timing>
     <p:tnLst>
       <p:par>
-        <p:cTn xmlns:p14="http://schemas.microsoft.com/office/powerpoint/2010/main" id="1" dur="indefinite" restart="never" nodeType="tmRoot">
+        <p:cTn id="1" dur="indefinite" restart="never" nodeType="tmRoot">
           <p:childTnLst>
             <p:seq concurrent="1" nextAc="seek">
               <p:cTn id="2" dur="indefinite" nodeType="mainSeq">
@@ -12165,13 +12333,13 @@
   <p:clrMapOvr>
     <a:masterClrMapping/>
   </p:clrMapOvr>
-  <p:transition xmlns:p14="http://schemas.microsoft.com/office/powerpoint/2010/main" spd="med">
+  <p:transition spd="med">
     <p:fade/>
   </p:transition>
   <p:timing>
     <p:tnLst>
       <p:par>
-        <p:cTn xmlns:p14="http://schemas.microsoft.com/office/powerpoint/2010/main" id="1" dur="indefinite" restart="never" nodeType="tmRoot">
+        <p:cTn id="1" dur="indefinite" restart="never" nodeType="tmRoot">
           <p:childTnLst>
             <p:seq concurrent="1" nextAc="seek">
               <p:cTn id="2" dur="indefinite" nodeType="mainSeq">
@@ -12729,13 +12897,13 @@
   <p:clrMapOvr>
     <a:masterClrMapping/>
   </p:clrMapOvr>
-  <p:transition xmlns:p14="http://schemas.microsoft.com/office/powerpoint/2010/main" spd="med">
+  <p:transition spd="med">
     <p:fade/>
   </p:transition>
   <p:timing>
     <p:tnLst>
       <p:par>
-        <p:cTn xmlns:p14="http://schemas.microsoft.com/office/powerpoint/2010/main" id="1" dur="indefinite" restart="never" nodeType="tmRoot">
+        <p:cTn id="1" dur="indefinite" restart="never" nodeType="tmRoot">
           <p:childTnLst>
             <p:seq concurrent="1" nextAc="seek">
               <p:cTn id="2" dur="indefinite" nodeType="mainSeq">
@@ -13040,13 +13208,13 @@
   <p:clrMapOvr>
     <a:masterClrMapping/>
   </p:clrMapOvr>
-  <p:transition xmlns:p14="http://schemas.microsoft.com/office/powerpoint/2010/main" spd="med">
+  <p:transition spd="med">
     <p:fade/>
   </p:transition>
   <p:timing>
     <p:tnLst>
       <p:par>
-        <p:cTn xmlns:p14="http://schemas.microsoft.com/office/powerpoint/2010/main" id="1" dur="indefinite" restart="never" nodeType="tmRoot">
+        <p:cTn id="1" dur="indefinite" restart="never" nodeType="tmRoot">
           <p:childTnLst>
             <p:seq concurrent="1" nextAc="seek">
               <p:cTn id="2" dur="indefinite" nodeType="mainSeq">
@@ -13357,13 +13525,13 @@
   <p:clrMapOvr>
     <a:masterClrMapping/>
   </p:clrMapOvr>
-  <p:transition xmlns:p14="http://schemas.microsoft.com/office/powerpoint/2010/main" spd="med">
+  <p:transition spd="med">
     <p:fade/>
   </p:transition>
   <p:timing>
     <p:tnLst>
       <p:par>
-        <p:cTn xmlns:p14="http://schemas.microsoft.com/office/powerpoint/2010/main" id="1" dur="indefinite" restart="never" nodeType="tmRoot"/>
+        <p:cTn id="1" dur="indefinite" restart="never" nodeType="tmRoot"/>
       </p:par>
     </p:tnLst>
   </p:timing>
@@ -13493,12 +13661,12 @@
             <a:graphicData uri="http://schemas.openxmlformats.org/presentationml/2006/ole">
               <mc:AlternateContent xmlns:mc="http://schemas.openxmlformats.org/markup-compatibility/2006">
                 <mc:Choice xmlns:v="urn:schemas-microsoft-com:vml" Requires="v">
-                  <p:oleObj spid="_x0000_s209952" name="Worksheet" r:id="rId4" imgW="5397500" imgH="3340100" progId="Excel.Sheet.8">
+                  <p:oleObj spid="_x0000_s209954" name="Worksheet" r:id="rId5" imgW="5397500" imgH="3340100" progId="Excel.Sheet.8">
                     <p:embed/>
                   </p:oleObj>
                 </mc:Choice>
                 <mc:Fallback>
-                  <p:oleObj name="Worksheet" r:id="rId4" imgW="5397500" imgH="3340100" progId="Excel.Sheet.8">
+                  <p:oleObj name="Worksheet" r:id="rId5" imgW="5397500" imgH="3340100" progId="Excel.Sheet.8">
                     <p:embed/>
                     <p:pic>
                       <p:nvPicPr>
@@ -13509,7 +13677,7 @@
                         <p:nvPr/>
                       </p:nvPicPr>
                       <p:blipFill>
-                        <a:blip r:embed="rId5">
+                        <a:blip r:embed="rId6">
                           <a:extLst>
                             <a:ext uri="{28A0092B-C50C-407E-A947-70E740481C1C}">
                               <a14:useLocalDpi xmlns:a14="http://schemas.microsoft.com/office/drawing/2010/main" val="0"/>
@@ -13536,14 +13704,14 @@
                         <a:effectLst/>
                         <a:extLst>
                           <a:ext uri="{909E8E84-426E-40dd-AFC4-6F175D3DCCD1}">
-                            <a14:hiddenFill xmlns:a14="http://schemas.microsoft.com/office/drawing/2010/main">
+                            <a14:hiddenFill xmlns:a14="http://schemas.microsoft.com/office/drawing/2010/main" xmlns="">
                               <a:solidFill>
                                 <a:schemeClr val="bg1"/>
                               </a:solidFill>
                             </a14:hiddenFill>
                           </a:ext>
                           <a:ext uri="{91240B29-F687-4f45-9708-019B960494DF}">
-                            <a14:hiddenLine xmlns:a14="http://schemas.microsoft.com/office/drawing/2010/main" w="12700">
+                            <a14:hiddenLine xmlns:a14="http://schemas.microsoft.com/office/drawing/2010/main" xmlns="" w="12700">
                               <a:solidFill>
                                 <a:schemeClr val="tx1"/>
                               </a:solidFill>
@@ -13553,7 +13721,7 @@
                             </a14:hiddenLine>
                           </a:ext>
                           <a:ext uri="{AF507438-7753-43e0-B8FC-AC1667EBCBE1}">
-                            <a14:hiddenEffects xmlns:a14="http://schemas.microsoft.com/office/drawing/2010/main">
+                            <a14:hiddenEffects xmlns:a14="http://schemas.microsoft.com/office/drawing/2010/main" xmlns="">
                               <a:effectLst>
                                 <a:outerShdw blurRad="63500" dist="38099" dir="2700000" algn="ctr" rotWithShape="0">
                                   <a:schemeClr val="bg2">
@@ -13748,13 +13916,13 @@
   <p:clrMapOvr>
     <a:masterClrMapping/>
   </p:clrMapOvr>
-  <p:transition xmlns:p14="http://schemas.microsoft.com/office/powerpoint/2010/main" spd="med">
+  <p:transition spd="med">
     <p:fade/>
   </p:transition>
   <p:timing>
     <p:tnLst>
       <p:par>
-        <p:cTn xmlns:p14="http://schemas.microsoft.com/office/powerpoint/2010/main" id="1" dur="indefinite" restart="never" nodeType="tmRoot"/>
+        <p:cTn id="1" dur="indefinite" restart="never" nodeType="tmRoot"/>
       </p:par>
     </p:tnLst>
   </p:timing>
@@ -13869,7 +14037,7 @@
   <p:timing>
     <p:tnLst>
       <p:par>
-        <p:cTn xmlns:p14="http://schemas.microsoft.com/office/powerpoint/2010/main" id="1" dur="indefinite" restart="never" nodeType="tmRoot"/>
+        <p:cTn id="1" dur="indefinite" restart="never" nodeType="tmRoot"/>
       </p:par>
     </p:tnLst>
   </p:timing>
@@ -13979,13 +14147,13 @@
   <p:clrMapOvr>
     <a:masterClrMapping/>
   </p:clrMapOvr>
-  <p:transition xmlns:p14="http://schemas.microsoft.com/office/powerpoint/2010/main" spd="med">
+  <p:transition spd="med">
     <p:fade/>
   </p:transition>
   <p:timing>
     <p:tnLst>
       <p:par>
-        <p:cTn xmlns:p14="http://schemas.microsoft.com/office/powerpoint/2010/main" id="1" dur="indefinite" restart="never" nodeType="tmRoot"/>
+        <p:cTn id="1" dur="indefinite" restart="never" nodeType="tmRoot"/>
       </p:par>
     </p:tnLst>
   </p:timing>
@@ -14089,13 +14257,13 @@
   <p:clrMapOvr>
     <a:masterClrMapping/>
   </p:clrMapOvr>
-  <p:transition xmlns:p14="http://schemas.microsoft.com/office/powerpoint/2010/main" spd="med">
+  <p:transition spd="med">
     <p:fade/>
   </p:transition>
   <p:timing>
     <p:tnLst>
       <p:par>
-        <p:cTn xmlns:p14="http://schemas.microsoft.com/office/powerpoint/2010/main" id="1" dur="indefinite" restart="never" nodeType="tmRoot"/>
+        <p:cTn id="1" dur="indefinite" restart="never" nodeType="tmRoot"/>
       </p:par>
     </p:tnLst>
   </p:timing>
@@ -14147,11 +14315,11 @@
   <p:clrMapOvr>
     <a:masterClrMapping/>
   </p:clrMapOvr>
-  <p:transition xmlns:p14="http://schemas.microsoft.com/office/powerpoint/2010/main"/>
+  <p:transition/>
   <p:timing>
     <p:tnLst>
       <p:par>
-        <p:cTn xmlns:p14="http://schemas.microsoft.com/office/powerpoint/2010/main" id="1" dur="indefinite" restart="never" nodeType="tmRoot"/>
+        <p:cTn id="1" dur="indefinite" restart="never" nodeType="tmRoot"/>
       </p:par>
     </p:tnLst>
   </p:timing>
@@ -14524,13 +14692,13 @@
   <p:clrMapOvr>
     <a:masterClrMapping/>
   </p:clrMapOvr>
-  <p:transition xmlns:p14="http://schemas.microsoft.com/office/powerpoint/2010/main" spd="med">
+  <p:transition spd="med">
     <p:fade/>
   </p:transition>
   <p:timing>
     <p:tnLst>
       <p:par>
-        <p:cTn xmlns:p14="http://schemas.microsoft.com/office/powerpoint/2010/main" id="1" dur="indefinite" restart="never" nodeType="tmRoot">
+        <p:cTn id="1" dur="indefinite" restart="never" nodeType="tmRoot">
           <p:childTnLst>
             <p:seq concurrent="1" nextAc="seek">
               <p:cTn id="2" dur="indefinite" nodeType="mainSeq">
@@ -14820,13 +14988,13 @@
   <p:clrMapOvr>
     <a:masterClrMapping/>
   </p:clrMapOvr>
-  <p:transition xmlns:p14="http://schemas.microsoft.com/office/powerpoint/2010/main" spd="med">
+  <p:transition spd="med">
     <p:fade/>
   </p:transition>
   <p:timing>
     <p:tnLst>
       <p:par>
-        <p:cTn xmlns:p14="http://schemas.microsoft.com/office/powerpoint/2010/main" id="1" dur="indefinite" restart="never" nodeType="tmRoot">
+        <p:cTn id="1" dur="indefinite" restart="never" nodeType="tmRoot">
           <p:childTnLst>
             <p:seq concurrent="1" nextAc="seek">
               <p:cTn id="2" dur="indefinite" nodeType="mainSeq">
@@ -15457,13 +15625,13 @@
   <p:clrMapOvr>
     <a:masterClrMapping/>
   </p:clrMapOvr>
-  <p:transition xmlns:p14="http://schemas.microsoft.com/office/powerpoint/2010/main" spd="med">
+  <p:transition spd="med">
     <p:fade/>
   </p:transition>
   <p:timing>
     <p:tnLst>
       <p:par>
-        <p:cTn xmlns:p14="http://schemas.microsoft.com/office/powerpoint/2010/main" id="1" dur="indefinite" restart="never" nodeType="tmRoot"/>
+        <p:cTn id="1" dur="indefinite" restart="never" nodeType="tmRoot"/>
       </p:par>
     </p:tnLst>
   </p:timing>
@@ -16250,13 +16418,13 @@
   <p:clrMapOvr>
     <a:masterClrMapping/>
   </p:clrMapOvr>
-  <p:transition xmlns:p14="http://schemas.microsoft.com/office/powerpoint/2010/main" spd="med">
+  <p:transition spd="med">
     <p:fade/>
   </p:transition>
   <p:timing>
     <p:tnLst>
       <p:par>
-        <p:cTn xmlns:p14="http://schemas.microsoft.com/office/powerpoint/2010/main" id="1" dur="indefinite" restart="never" nodeType="tmRoot"/>
+        <p:cTn id="1" dur="indefinite" restart="never" nodeType="tmRoot"/>
       </p:par>
     </p:tnLst>
   </p:timing>
@@ -16373,13 +16541,13 @@
   <p:clrMapOvr>
     <a:masterClrMapping/>
   </p:clrMapOvr>
-  <p:transition xmlns:p14="http://schemas.microsoft.com/office/powerpoint/2010/main" spd="med">
+  <p:transition spd="med">
     <p:fade/>
   </p:transition>
   <p:timing>
     <p:tnLst>
       <p:par>
-        <p:cTn xmlns:p14="http://schemas.microsoft.com/office/powerpoint/2010/main" id="1" dur="indefinite" restart="never" nodeType="tmRoot"/>
+        <p:cTn id="1" dur="indefinite" restart="never" nodeType="tmRoot"/>
       </p:par>
     </p:tnLst>
   </p:timing>
@@ -16491,7 +16659,7 @@
   <p:timing>
     <p:tnLst>
       <p:par>
-        <p:cTn xmlns:p14="http://schemas.microsoft.com/office/powerpoint/2010/main" id="1" dur="indefinite" restart="never" nodeType="tmRoot"/>
+        <p:cTn id="1" dur="indefinite" restart="never" nodeType="tmRoot"/>
       </p:par>
     </p:tnLst>
   </p:timing>
@@ -16647,13 +16815,13 @@
   <p:clrMapOvr>
     <a:masterClrMapping/>
   </p:clrMapOvr>
-  <p:transition xmlns:p14="http://schemas.microsoft.com/office/powerpoint/2010/main" spd="med">
+  <p:transition spd="med">
     <p:fade/>
   </p:transition>
   <p:timing>
     <p:tnLst>
       <p:par>
-        <p:cTn xmlns:p14="http://schemas.microsoft.com/office/powerpoint/2010/main" id="1" dur="indefinite" restart="never" nodeType="tmRoot"/>
+        <p:cTn id="1" dur="indefinite" restart="never" nodeType="tmRoot"/>
       </p:par>
     </p:tnLst>
   </p:timing>
@@ -16705,11 +16873,11 @@
   <p:clrMapOvr>
     <a:masterClrMapping/>
   </p:clrMapOvr>
-  <p:transition xmlns:p14="http://schemas.microsoft.com/office/powerpoint/2010/main"/>
+  <p:transition/>
   <p:timing>
     <p:tnLst>
       <p:par>
-        <p:cTn xmlns:p14="http://schemas.microsoft.com/office/powerpoint/2010/main" id="1" dur="indefinite" restart="never" nodeType="tmRoot"/>
+        <p:cTn id="1" dur="indefinite" restart="never" nodeType="tmRoot"/>
       </p:par>
     </p:tnLst>
   </p:timing>
@@ -16896,13 +17064,13 @@
   <p:clrMapOvr>
     <a:masterClrMapping/>
   </p:clrMapOvr>
-  <p:transition xmlns:p14="http://schemas.microsoft.com/office/powerpoint/2010/main" spd="med">
+  <p:transition spd="med">
     <p:fade/>
   </p:transition>
   <p:timing>
     <p:tnLst>
       <p:par>
-        <p:cTn xmlns:p14="http://schemas.microsoft.com/office/powerpoint/2010/main" id="1" dur="indefinite" restart="never" nodeType="tmRoot"/>
+        <p:cTn id="1" dur="indefinite" restart="never" nodeType="tmRoot"/>
       </p:par>
     </p:tnLst>
   </p:timing>
@@ -17701,13 +17869,13 @@
   <p:clrMapOvr>
     <a:masterClrMapping/>
   </p:clrMapOvr>
-  <p:transition xmlns:p14="http://schemas.microsoft.com/office/powerpoint/2010/main" spd="med">
+  <p:transition spd="med">
     <p:fade/>
   </p:transition>
   <p:timing>
     <p:tnLst>
       <p:par>
-        <p:cTn xmlns:p14="http://schemas.microsoft.com/office/powerpoint/2010/main" id="1" dur="indefinite" restart="never" nodeType="tmRoot"/>
+        <p:cTn id="1" dur="indefinite" restart="never" nodeType="tmRoot"/>
       </p:par>
     </p:tnLst>
   </p:timing>
@@ -17811,7 +17979,7 @@
   <p:clrMapOvr>
     <a:masterClrMapping/>
   </p:clrMapOvr>
-  <p:transition xmlns:p14="http://schemas.microsoft.com/office/powerpoint/2010/main" spd="med">
+  <p:transition spd="med">
     <p:fade/>
   </p:transition>
 </p:sld>
@@ -18609,13 +18777,13 @@
   <p:clrMapOvr>
     <a:masterClrMapping/>
   </p:clrMapOvr>
-  <p:transition xmlns:p14="http://schemas.microsoft.com/office/powerpoint/2010/main" spd="med">
+  <p:transition spd="med">
     <p:fade/>
   </p:transition>
   <p:timing>
     <p:tnLst>
       <p:par>
-        <p:cTn xmlns:p14="http://schemas.microsoft.com/office/powerpoint/2010/main" id="1" dur="indefinite" restart="never" nodeType="tmRoot"/>
+        <p:cTn id="1" dur="indefinite" restart="never" nodeType="tmRoot"/>
       </p:par>
     </p:tnLst>
   </p:timing>
@@ -18671,11 +18839,11 @@
   <p:clrMapOvr>
     <a:masterClrMapping/>
   </p:clrMapOvr>
-  <p:transition xmlns:p14="http://schemas.microsoft.com/office/powerpoint/2010/main"/>
+  <p:transition/>
   <p:timing>
     <p:tnLst>
       <p:par>
-        <p:cTn xmlns:p14="http://schemas.microsoft.com/office/powerpoint/2010/main" id="1" dur="indefinite" restart="never" nodeType="tmRoot"/>
+        <p:cTn id="1" dur="indefinite" restart="never" nodeType="tmRoot"/>
       </p:par>
     </p:tnLst>
   </p:timing>
@@ -19048,13 +19216,13 @@
   <p:clrMapOvr>
     <a:masterClrMapping/>
   </p:clrMapOvr>
-  <p:transition xmlns:p14="http://schemas.microsoft.com/office/powerpoint/2010/main" spd="med">
+  <p:transition spd="med">
     <p:fade/>
   </p:transition>
   <p:timing>
     <p:tnLst>
       <p:par>
-        <p:cTn xmlns:p14="http://schemas.microsoft.com/office/powerpoint/2010/main" id="1" dur="indefinite" restart="never" nodeType="tmRoot">
+        <p:cTn id="1" dur="indefinite" restart="never" nodeType="tmRoot">
           <p:childTnLst>
             <p:seq concurrent="1" nextAc="seek">
               <p:cTn id="2" dur="indefinite" nodeType="mainSeq">
@@ -20800,13 +20968,13 @@
   <p:clrMapOvr>
     <a:masterClrMapping/>
   </p:clrMapOvr>
-  <p:transition xmlns:p14="http://schemas.microsoft.com/office/powerpoint/2010/main" spd="med">
+  <p:transition spd="med">
     <p:fade/>
   </p:transition>
   <p:timing>
     <p:tnLst>
       <p:par>
-        <p:cTn xmlns:p14="http://schemas.microsoft.com/office/powerpoint/2010/main" id="1" dur="indefinite" restart="never" nodeType="tmRoot">
+        <p:cTn id="1" dur="indefinite" restart="never" nodeType="tmRoot">
           <p:childTnLst>
             <p:seq concurrent="1" nextAc="seek">
               <p:cTn id="2" dur="indefinite" nodeType="mainSeq">
@@ -21472,11 +21640,11 @@
   <p:clrMapOvr>
     <a:masterClrMapping/>
   </p:clrMapOvr>
-  <p:transition xmlns:p14="http://schemas.microsoft.com/office/powerpoint/2010/main"/>
+  <p:transition/>
   <p:timing>
     <p:tnLst>
       <p:par>
-        <p:cTn xmlns:p14="http://schemas.microsoft.com/office/powerpoint/2010/main" id="1" dur="indefinite" restart="never" nodeType="tmRoot"/>
+        <p:cTn id="1" dur="indefinite" restart="never" nodeType="tmRoot"/>
       </p:par>
     </p:tnLst>
   </p:timing>
@@ -21854,13 +22022,13 @@
   <p:clrMapOvr>
     <a:masterClrMapping/>
   </p:clrMapOvr>
-  <p:transition xmlns:p14="http://schemas.microsoft.com/office/powerpoint/2010/main" spd="med">
+  <p:transition spd="med">
     <p:fade/>
   </p:transition>
   <p:timing>
     <p:tnLst>
       <p:par>
-        <p:cTn xmlns:p14="http://schemas.microsoft.com/office/powerpoint/2010/main" id="1" dur="indefinite" restart="never" nodeType="tmRoot">
+        <p:cTn id="1" dur="indefinite" restart="never" nodeType="tmRoot">
           <p:childTnLst>
             <p:seq concurrent="1" nextAc="seek">
               <p:cTn id="2" dur="indefinite" nodeType="mainSeq">
@@ -22092,13 +22260,13 @@
   <p:clrMapOvr>
     <a:masterClrMapping/>
   </p:clrMapOvr>
-  <p:transition xmlns:p14="http://schemas.microsoft.com/office/powerpoint/2010/main" spd="med">
+  <p:transition spd="med">
     <p:fade/>
   </p:transition>
   <p:timing>
     <p:tnLst>
       <p:par>
-        <p:cTn xmlns:p14="http://schemas.microsoft.com/office/powerpoint/2010/main" id="1" dur="indefinite" restart="never" nodeType="tmRoot">
+        <p:cTn id="1" dur="indefinite" restart="never" nodeType="tmRoot">
           <p:childTnLst>
             <p:seq concurrent="1" nextAc="seek">
               <p:cTn id="2" dur="indefinite" nodeType="mainSeq">
@@ -22361,13 +22529,13 @@
   <p:clrMapOvr>
     <a:masterClrMapping/>
   </p:clrMapOvr>
-  <p:transition xmlns:p14="http://schemas.microsoft.com/office/powerpoint/2010/main" spd="med">
+  <p:transition spd="med">
     <p:fade/>
   </p:transition>
   <p:timing>
     <p:tnLst>
       <p:par>
-        <p:cTn xmlns:p14="http://schemas.microsoft.com/office/powerpoint/2010/main" id="1" dur="indefinite" restart="never" nodeType="tmRoot">
+        <p:cTn id="1" dur="indefinite" restart="never" nodeType="tmRoot">
           <p:childTnLst>
             <p:seq concurrent="1" nextAc="seek">
               <p:cTn id="2" dur="indefinite" nodeType="mainSeq">

--- a/Agile Business Analysis/05-Estimation _ Release Planning.pptx
+++ b/Agile Business Analysis/05-Estimation _ Release Planning.pptx
@@ -3144,7 +3144,7 @@
             <a:fld id="{3645A85B-5EE2-224D-892B-EBDEE738041D}" type="datetime1">
               <a:rPr lang="en-US"/>
               <a:pPr/>
-              <a:t>10/5/15</a:t>
+              <a:t>12/21/15</a:t>
             </a:fld>
             <a:endParaRPr lang="en-US"/>
           </a:p>
@@ -3387,7 +3387,7 @@
             <a:fld id="{357A0049-9727-1C49-9F90-B954D42273FA}" type="datetime1">
               <a:rPr lang="en-US"/>
               <a:pPr/>
-              <a:t>10/5/15</a:t>
+              <a:t>12/21/15</a:t>
             </a:fld>
             <a:endParaRPr lang="en-US"/>
           </a:p>
@@ -4772,7 +4772,7 @@
         <p:spPr/>
         <p:txBody>
           <a:bodyPr>
-            <a:normAutofit fontScale="77500" lnSpcReduction="20000"/>
+            <a:normAutofit/>
           </a:bodyPr>
           <a:lstStyle/>
           <a:p>
@@ -5389,7 +5389,7 @@
         <p:spPr/>
         <p:txBody>
           <a:bodyPr>
-            <a:normAutofit lnSpcReduction="10000"/>
+            <a:normAutofit fontScale="92500" lnSpcReduction="10000"/>
           </a:bodyPr>
           <a:lstStyle/>
           <a:p>
@@ -5780,7 +5780,7 @@
         <p:spPr/>
         <p:txBody>
           <a:bodyPr>
-            <a:normAutofit fontScale="92500" lnSpcReduction="20000"/>
+            <a:normAutofit fontScale="85000" lnSpcReduction="20000"/>
           </a:bodyPr>
           <a:lstStyle/>
           <a:p>
@@ -6270,7 +6270,7 @@
         <p:spPr/>
         <p:txBody>
           <a:bodyPr>
-            <a:normAutofit/>
+            <a:normAutofit fontScale="77500" lnSpcReduction="20000"/>
           </a:bodyPr>
           <a:lstStyle/>
           <a:p>
@@ -6619,7 +6619,7 @@
         <p:spPr/>
         <p:txBody>
           <a:bodyPr>
-            <a:normAutofit fontScale="77500" lnSpcReduction="20000"/>
+            <a:normAutofit/>
           </a:bodyPr>
           <a:lstStyle/>
           <a:p>
@@ -7290,7 +7290,7 @@
         <p:spPr/>
         <p:txBody>
           <a:bodyPr>
-            <a:normAutofit/>
+            <a:normAutofit fontScale="85000" lnSpcReduction="20000"/>
           </a:bodyPr>
           <a:lstStyle/>
           <a:p>
@@ -11154,14 +11154,14 @@
           </a:ln>
           <a:extLst>
             <a:ext uri="{909E8E84-426E-40dd-AFC4-6F175D3DCCD1}">
-              <a14:hiddenFill xmlns:a14="http://schemas.microsoft.com/office/drawing/2010/main" xmlns="">
+              <a14:hiddenFill xmlns="" xmlns:a14="http://schemas.microsoft.com/office/drawing/2010/main">
                 <a:solidFill>
                   <a:srgbClr val="FFFFFF"/>
                 </a:solidFill>
               </a14:hiddenFill>
             </a:ext>
             <a:ext uri="{91240B29-F687-4f45-9708-019B960494DF}">
-              <a14:hiddenLine xmlns:a14="http://schemas.microsoft.com/office/drawing/2010/main" xmlns="" w="9525">
+              <a14:hiddenLine xmlns="" xmlns:a14="http://schemas.microsoft.com/office/drawing/2010/main" w="9525">
                 <a:solidFill>
                   <a:srgbClr val="000000"/>
                 </a:solidFill>
@@ -13147,7 +13147,7 @@
         </p:blipFill>
         <p:spPr>
           <a:xfrm>
-            <a:off x="4038600" y="990600"/>
+            <a:off x="4038600" y="1143000"/>
             <a:ext cx="2514600" cy="2784021"/>
           </a:xfrm>
           <a:prstGeom prst="rect">
@@ -13661,7 +13661,7 @@
             <a:graphicData uri="http://schemas.openxmlformats.org/presentationml/2006/ole">
               <mc:AlternateContent xmlns:mc="http://schemas.openxmlformats.org/markup-compatibility/2006">
                 <mc:Choice xmlns:v="urn:schemas-microsoft-com:vml" Requires="v">
-                  <p:oleObj spid="_x0000_s209954" name="Worksheet" r:id="rId5" imgW="5397500" imgH="3340100" progId="Excel.Sheet.8">
+                  <p:oleObj spid="_x0000_s209956" name="Worksheet" r:id="rId5" imgW="5397500" imgH="3340100" progId="Excel.Sheet.8">
                     <p:embed/>
                   </p:oleObj>
                 </mc:Choice>
@@ -13704,14 +13704,14 @@
                         <a:effectLst/>
                         <a:extLst>
                           <a:ext uri="{909E8E84-426E-40dd-AFC4-6F175D3DCCD1}">
-                            <a14:hiddenFill xmlns:a14="http://schemas.microsoft.com/office/drawing/2010/main" xmlns="">
+                            <a14:hiddenFill xmlns="" xmlns:a14="http://schemas.microsoft.com/office/drawing/2010/main">
                               <a:solidFill>
                                 <a:schemeClr val="bg1"/>
                               </a:solidFill>
                             </a14:hiddenFill>
                           </a:ext>
                           <a:ext uri="{91240B29-F687-4f45-9708-019B960494DF}">
-                            <a14:hiddenLine xmlns:a14="http://schemas.microsoft.com/office/drawing/2010/main" xmlns="" w="12700">
+                            <a14:hiddenLine xmlns="" xmlns:a14="http://schemas.microsoft.com/office/drawing/2010/main" w="12700">
                               <a:solidFill>
                                 <a:schemeClr val="tx1"/>
                               </a:solidFill>
@@ -13721,7 +13721,7 @@
                             </a14:hiddenLine>
                           </a:ext>
                           <a:ext uri="{AF507438-7753-43e0-B8FC-AC1667EBCBE1}">
-                            <a14:hiddenEffects xmlns:a14="http://schemas.microsoft.com/office/drawing/2010/main" xmlns="">
+                            <a14:hiddenEffects xmlns="" xmlns:a14="http://schemas.microsoft.com/office/drawing/2010/main">
                               <a:effectLst>
                                 <a:outerShdw blurRad="63500" dist="38099" dir="2700000" algn="ctr" rotWithShape="0">
                                   <a:schemeClr val="bg2">
@@ -14886,7 +14886,7 @@
         <p:spPr/>
         <p:txBody>
           <a:bodyPr>
-            <a:normAutofit lnSpcReduction="10000"/>
+            <a:normAutofit/>
           </a:bodyPr>
           <a:lstStyle/>
           <a:p>
